--- a/PPT for shoppingList.pptx
+++ b/PPT for shoppingList.pptx
@@ -466,6 +466,428 @@
     </a:lvl9pPr>
   </p:notesStyle>
 </p:notesMaster>
+</file>
+
+<file path=ppt/notesSlides/notesSlide1.xml><?xml version="1.0" encoding="utf-8"?>
+<p:notes xmlns:a="http://schemas.openxmlformats.org/drawingml/2006/main" xmlns:r="http://schemas.openxmlformats.org/officeDocument/2006/relationships" xmlns:p="http://schemas.openxmlformats.org/presentationml/2006/main">
+  <p:cSld>
+    <p:spTree>
+      <p:nvGrpSpPr>
+        <p:cNvPr id="1" name=""/>
+        <p:cNvGrpSpPr/>
+        <p:nvPr/>
+      </p:nvGrpSpPr>
+      <p:grpSpPr>
+        <a:xfrm>
+          <a:off x="0" y="0"/>
+          <a:ext cx="0" cy="0"/>
+          <a:chOff x="0" y="0"/>
+          <a:chExt cx="0" cy="0"/>
+        </a:xfrm>
+      </p:grpSpPr>
+      <p:sp>
+        <p:nvSpPr>
+          <p:cNvPr id="2" name="Slide Image Placeholder 1"/>
+          <p:cNvSpPr>
+            <a:spLocks noGrp="1" noRot="1" noChangeAspect="1"/>
+          </p:cNvSpPr>
+          <p:nvPr>
+            <p:ph type="sldImg"/>
+          </p:nvPr>
+        </p:nvSpPr>
+        <p:spPr/>
+      </p:sp>
+      <p:sp>
+        <p:nvSpPr>
+          <p:cNvPr id="3" name="Notes Placeholder 2"/>
+          <p:cNvSpPr>
+            <a:spLocks noGrp="1"/>
+          </p:cNvSpPr>
+          <p:nvPr>
+            <p:ph type="body" idx="1"/>
+          </p:nvPr>
+        </p:nvSpPr>
+        <p:spPr/>
+        <p:txBody>
+          <a:bodyPr/>
+          <a:lstStyle/>
+          <a:p>
+            <a:endParaRPr lang="en-US"/>
+          </a:p>
+        </p:txBody>
+      </p:sp>
+      <p:sp>
+        <p:nvSpPr>
+          <p:cNvPr id="4" name="Slide Number Placeholder 3"/>
+          <p:cNvSpPr>
+            <a:spLocks noGrp="1"/>
+          </p:cNvSpPr>
+          <p:nvPr>
+            <p:ph type="sldNum" sz="quarter" idx="10"/>
+          </p:nvPr>
+        </p:nvSpPr>
+        <p:spPr/>
+        <p:txBody>
+          <a:bodyPr/>
+          <a:lstStyle/>
+          <a:p>
+            <a:fld id="{FB3FA5F9-5919-E94E-ADAB-82E4CC7C41D4}" type="slidenum">
+              <a:rPr lang="en-US" smtClean="0"/>
+              <a:t>1</a:t>
+            </a:fld>
+            <a:endParaRPr lang="en-US"/>
+          </a:p>
+        </p:txBody>
+      </p:sp>
+    </p:spTree>
+    <p:extLst>
+      <p:ext uri="{BB962C8B-B14F-4D97-AF65-F5344CB8AC3E}">
+        <p14:creationId xmlns:p14="http://schemas.microsoft.com/office/powerpoint/2010/main" val="150987528"/>
+      </p:ext>
+    </p:extLst>
+  </p:cSld>
+  <p:clrMapOvr>
+    <a:masterClrMapping/>
+  </p:clrMapOvr>
+</p:notes>
+</file>
+
+<file path=ppt/notesSlides/notesSlide2.xml><?xml version="1.0" encoding="utf-8"?>
+<p:notes xmlns:a="http://schemas.openxmlformats.org/drawingml/2006/main" xmlns:r="http://schemas.openxmlformats.org/officeDocument/2006/relationships" xmlns:p="http://schemas.openxmlformats.org/presentationml/2006/main">
+  <p:cSld>
+    <p:spTree>
+      <p:nvGrpSpPr>
+        <p:cNvPr id="1" name=""/>
+        <p:cNvGrpSpPr/>
+        <p:nvPr/>
+      </p:nvGrpSpPr>
+      <p:grpSpPr>
+        <a:xfrm>
+          <a:off x="0" y="0"/>
+          <a:ext cx="0" cy="0"/>
+          <a:chOff x="0" y="0"/>
+          <a:chExt cx="0" cy="0"/>
+        </a:xfrm>
+      </p:grpSpPr>
+      <p:sp>
+        <p:nvSpPr>
+          <p:cNvPr id="2" name="Slide Image Placeholder 1"/>
+          <p:cNvSpPr>
+            <a:spLocks noGrp="1" noRot="1" noChangeAspect="1"/>
+          </p:cNvSpPr>
+          <p:nvPr>
+            <p:ph type="sldImg"/>
+          </p:nvPr>
+        </p:nvSpPr>
+        <p:spPr/>
+      </p:sp>
+      <p:sp>
+        <p:nvSpPr>
+          <p:cNvPr id="3" name="Notes Placeholder 2"/>
+          <p:cNvSpPr>
+            <a:spLocks noGrp="1"/>
+          </p:cNvSpPr>
+          <p:nvPr>
+            <p:ph type="body" idx="1"/>
+          </p:nvPr>
+        </p:nvSpPr>
+        <p:spPr/>
+        <p:txBody>
+          <a:bodyPr/>
+          <a:lstStyle/>
+          <a:p>
+            <a:endParaRPr lang="en-US"/>
+          </a:p>
+        </p:txBody>
+      </p:sp>
+      <p:sp>
+        <p:nvSpPr>
+          <p:cNvPr id="4" name="Slide Number Placeholder 3"/>
+          <p:cNvSpPr>
+            <a:spLocks noGrp="1"/>
+          </p:cNvSpPr>
+          <p:nvPr>
+            <p:ph type="sldNum" sz="quarter" idx="10"/>
+          </p:nvPr>
+        </p:nvSpPr>
+        <p:spPr/>
+        <p:txBody>
+          <a:bodyPr/>
+          <a:lstStyle/>
+          <a:p>
+            <a:fld id="{FB3FA5F9-5919-E94E-ADAB-82E4CC7C41D4}" type="slidenum">
+              <a:rPr lang="en-US" smtClean="0"/>
+              <a:t>2</a:t>
+            </a:fld>
+            <a:endParaRPr lang="en-US"/>
+          </a:p>
+        </p:txBody>
+      </p:sp>
+    </p:spTree>
+    <p:extLst>
+      <p:ext uri="{BB962C8B-B14F-4D97-AF65-F5344CB8AC3E}">
+        <p14:creationId xmlns:p14="http://schemas.microsoft.com/office/powerpoint/2010/main" val="1469195989"/>
+      </p:ext>
+    </p:extLst>
+  </p:cSld>
+  <p:clrMapOvr>
+    <a:masterClrMapping/>
+  </p:clrMapOvr>
+</p:notes>
+</file>
+
+<file path=ppt/notesSlides/notesSlide3.xml><?xml version="1.0" encoding="utf-8"?>
+<p:notes xmlns:a="http://schemas.openxmlformats.org/drawingml/2006/main" xmlns:r="http://schemas.openxmlformats.org/officeDocument/2006/relationships" xmlns:p="http://schemas.openxmlformats.org/presentationml/2006/main">
+  <p:cSld>
+    <p:spTree>
+      <p:nvGrpSpPr>
+        <p:cNvPr id="1" name=""/>
+        <p:cNvGrpSpPr/>
+        <p:nvPr/>
+      </p:nvGrpSpPr>
+      <p:grpSpPr>
+        <a:xfrm>
+          <a:off x="0" y="0"/>
+          <a:ext cx="0" cy="0"/>
+          <a:chOff x="0" y="0"/>
+          <a:chExt cx="0" cy="0"/>
+        </a:xfrm>
+      </p:grpSpPr>
+      <p:sp>
+        <p:nvSpPr>
+          <p:cNvPr id="2" name="Slide Image Placeholder 1"/>
+          <p:cNvSpPr>
+            <a:spLocks noGrp="1" noRot="1" noChangeAspect="1"/>
+          </p:cNvSpPr>
+          <p:nvPr>
+            <p:ph type="sldImg"/>
+          </p:nvPr>
+        </p:nvSpPr>
+        <p:spPr/>
+      </p:sp>
+      <p:sp>
+        <p:nvSpPr>
+          <p:cNvPr id="3" name="Notes Placeholder 2"/>
+          <p:cNvSpPr>
+            <a:spLocks noGrp="1"/>
+          </p:cNvSpPr>
+          <p:nvPr>
+            <p:ph type="body" idx="1"/>
+          </p:nvPr>
+        </p:nvSpPr>
+        <p:spPr>
+          <a:xfrm>
+            <a:off x="491067" y="4536021"/>
+            <a:ext cx="5892800" cy="4284663"/>
+          </a:xfrm>
+        </p:spPr>
+        <p:txBody>
+          <a:bodyPr/>
+          <a:lstStyle/>
+          <a:p>
+            <a:r>
+              <a:rPr lang="en-US" sz="1100" dirty="0" smtClean="0"/>
+              <a:t>Teamwork is a reality to Software Development. Encroaching on another developer’s territory is common. While working on an HTML page, you make an adjustment to the Controller. Someone else is working on the Controller and makes an adjustment to the HTML. The key is communication. Letting each other know what you are doing.</a:t>
+            </a:r>
+          </a:p>
+          <a:p>
+            <a:endParaRPr lang="en-US" sz="1100" dirty="0"/>
+          </a:p>
+          <a:p>
+            <a:r>
+              <a:rPr lang="en-US" sz="1100" dirty="0" smtClean="0"/>
+              <a:t>Establish naming conventions up front. It doesn’t matter what the standard is</a:t>
+            </a:r>
+            <a:r>
+              <a:rPr lang="mr-IN" sz="1100" dirty="0" smtClean="0"/>
+              <a:t>…</a:t>
+            </a:r>
+            <a:r>
+              <a:rPr lang="en-US" sz="1100" dirty="0" smtClean="0"/>
+              <a:t> (although Clean Code gives some great examples), make sure you all agree. We wasted a lot of time changing back and forth on how we named things.</a:t>
+            </a:r>
+          </a:p>
+          <a:p>
+            <a:endParaRPr lang="en-US" sz="1100" dirty="0"/>
+          </a:p>
+          <a:p>
+            <a:r>
+              <a:rPr lang="en-US" sz="1100" dirty="0" smtClean="0"/>
+              <a:t>Conflicts in </a:t>
+            </a:r>
+            <a:r>
+              <a:rPr lang="en-US" sz="1100" dirty="0" err="1" smtClean="0"/>
+              <a:t>Git</a:t>
+            </a:r>
+            <a:r>
+              <a:rPr lang="en-US" sz="1100" dirty="0" smtClean="0"/>
+              <a:t> are a part of a developers life. Embrace them. Analyze them. Talk about them with your team.</a:t>
+            </a:r>
+          </a:p>
+          <a:p>
+            <a:endParaRPr lang="en-US" sz="1100" dirty="0"/>
+          </a:p>
+          <a:p>
+            <a:r>
+              <a:rPr lang="en-US" sz="1100" dirty="0" smtClean="0"/>
+              <a:t>Forcing is short sighted. It may temporarily “fix” the process but most likely will come back to bite you. Determine “why” a force is required and avoid it.</a:t>
+            </a:r>
+          </a:p>
+          <a:p>
+            <a:endParaRPr lang="en-US" sz="1100" dirty="0"/>
+          </a:p>
+          <a:p>
+            <a:r>
+              <a:rPr lang="en-US" sz="1100" dirty="0" smtClean="0"/>
+              <a:t>Scrum is the way to manage a project. Looking back, we would have been steps ahead if we took the time to understand the project and create a real product backlog and then realistically generate a sprint backlog - one that we we’re willing to finish no matter what. Daily meetings with or without Tiffany, asking ourselves the three questions, would have kept our team on track.</a:t>
+            </a:r>
+          </a:p>
+          <a:p>
+            <a:endParaRPr lang="en-US" sz="1100" dirty="0"/>
+          </a:p>
+          <a:p>
+            <a:r>
+              <a:rPr lang="en-US" sz="1100" dirty="0" smtClean="0"/>
+              <a:t>Jira</a:t>
+            </a:r>
+            <a:r>
+              <a:rPr lang="mr-IN" sz="1100" dirty="0" smtClean="0"/>
+              <a:t>…</a:t>
+            </a:r>
+            <a:r>
+              <a:rPr lang="en-US" sz="1100" dirty="0" smtClean="0"/>
+              <a:t>don’t wait until the sprint is over to log time. Jira provides the lifeblood of a project on a day to day basis. Completing Jira data entry, as it happens, not only keeps everyone informed during the sprint but provides a wealth of knowledge for retrospective which</a:t>
+            </a:r>
+            <a:r>
+              <a:rPr lang="mr-IN" sz="1100" dirty="0" smtClean="0"/>
+              <a:t>…</a:t>
+            </a:r>
+            <a:r>
+              <a:rPr lang="en-US" sz="1100" dirty="0" smtClean="0"/>
+              <a:t>improves our chances of improvement before the next sprint.</a:t>
+            </a:r>
+            <a:endParaRPr lang="en-US" sz="1100" dirty="0"/>
+          </a:p>
+        </p:txBody>
+      </p:sp>
+      <p:sp>
+        <p:nvSpPr>
+          <p:cNvPr id="4" name="Slide Number Placeholder 3"/>
+          <p:cNvSpPr>
+            <a:spLocks noGrp="1"/>
+          </p:cNvSpPr>
+          <p:nvPr>
+            <p:ph type="sldNum" sz="quarter" idx="10"/>
+          </p:nvPr>
+        </p:nvSpPr>
+        <p:spPr/>
+        <p:txBody>
+          <a:bodyPr/>
+          <a:lstStyle/>
+          <a:p>
+            <a:fld id="{FB3FA5F9-5919-E94E-ADAB-82E4CC7C41D4}" type="slidenum">
+              <a:rPr lang="en-US" smtClean="0"/>
+              <a:t>3</a:t>
+            </a:fld>
+            <a:endParaRPr lang="en-US"/>
+          </a:p>
+        </p:txBody>
+      </p:sp>
+    </p:spTree>
+    <p:extLst>
+      <p:ext uri="{BB962C8B-B14F-4D97-AF65-F5344CB8AC3E}">
+        <p14:creationId xmlns:p14="http://schemas.microsoft.com/office/powerpoint/2010/main" val="1395801579"/>
+      </p:ext>
+    </p:extLst>
+  </p:cSld>
+  <p:clrMapOvr>
+    <a:masterClrMapping/>
+  </p:clrMapOvr>
+</p:notes>
+</file>
+
+<file path=ppt/notesSlides/notesSlide4.xml><?xml version="1.0" encoding="utf-8"?>
+<p:notes xmlns:a="http://schemas.openxmlformats.org/drawingml/2006/main" xmlns:r="http://schemas.openxmlformats.org/officeDocument/2006/relationships" xmlns:p="http://schemas.openxmlformats.org/presentationml/2006/main">
+  <p:cSld>
+    <p:spTree>
+      <p:nvGrpSpPr>
+        <p:cNvPr id="1" name=""/>
+        <p:cNvGrpSpPr/>
+        <p:nvPr/>
+      </p:nvGrpSpPr>
+      <p:grpSpPr>
+        <a:xfrm>
+          <a:off x="0" y="0"/>
+          <a:ext cx="0" cy="0"/>
+          <a:chOff x="0" y="0"/>
+          <a:chExt cx="0" cy="0"/>
+        </a:xfrm>
+      </p:grpSpPr>
+      <p:sp>
+        <p:nvSpPr>
+          <p:cNvPr id="2" name="Slide Image Placeholder 1"/>
+          <p:cNvSpPr>
+            <a:spLocks noGrp="1" noRot="1" noChangeAspect="1"/>
+          </p:cNvSpPr>
+          <p:nvPr>
+            <p:ph type="sldImg"/>
+          </p:nvPr>
+        </p:nvSpPr>
+        <p:spPr/>
+      </p:sp>
+      <p:sp>
+        <p:nvSpPr>
+          <p:cNvPr id="3" name="Notes Placeholder 2"/>
+          <p:cNvSpPr>
+            <a:spLocks noGrp="1"/>
+          </p:cNvSpPr>
+          <p:nvPr>
+            <p:ph type="body" idx="1"/>
+          </p:nvPr>
+        </p:nvSpPr>
+        <p:spPr/>
+        <p:txBody>
+          <a:bodyPr/>
+          <a:lstStyle/>
+          <a:p>
+            <a:endParaRPr lang="en-US"/>
+          </a:p>
+        </p:txBody>
+      </p:sp>
+      <p:sp>
+        <p:nvSpPr>
+          <p:cNvPr id="4" name="Slide Number Placeholder 3"/>
+          <p:cNvSpPr>
+            <a:spLocks noGrp="1"/>
+          </p:cNvSpPr>
+          <p:nvPr>
+            <p:ph type="sldNum" sz="quarter" idx="10"/>
+          </p:nvPr>
+        </p:nvSpPr>
+        <p:spPr/>
+        <p:txBody>
+          <a:bodyPr/>
+          <a:lstStyle/>
+          <a:p>
+            <a:fld id="{FB3FA5F9-5919-E94E-ADAB-82E4CC7C41D4}" type="slidenum">
+              <a:rPr lang="en-US" smtClean="0"/>
+              <a:t>4</a:t>
+            </a:fld>
+            <a:endParaRPr lang="en-US"/>
+          </a:p>
+        </p:txBody>
+      </p:sp>
+    </p:spTree>
+    <p:extLst>
+      <p:ext uri="{BB962C8B-B14F-4D97-AF65-F5344CB8AC3E}">
+        <p14:creationId xmlns:p14="http://schemas.microsoft.com/office/powerpoint/2010/main" val="1010013917"/>
+      </p:ext>
+    </p:extLst>
+  </p:cSld>
+  <p:clrMapOvr>
+    <a:masterClrMapping/>
+  </p:clrMapOvr>
+</p:notes>
 </file>
 
 <file path=ppt/slideLayouts/slideLayout1.xml><?xml version="1.0" encoding="utf-8"?>
@@ -3353,7 +3775,7 @@
           <p:nvPr/>
         </p:nvPicPr>
         <p:blipFill rotWithShape="1">
-          <a:blip r:embed="rId2">
+          <a:blip r:embed="rId3">
             <a:extLst>
               <a:ext uri="{28A0092B-C50C-407E-A947-70E740481C1C}">
                 <a14:useLocalDpi xmlns:a14="http://schemas.microsoft.com/office/drawing/2010/main"/>
@@ -3475,6 +3897,16 @@
   <p:clrMapOvr>
     <a:masterClrMapping/>
   </p:clrMapOvr>
+  <p:transition spd="slow">
+    <p:push dir="u"/>
+  </p:transition>
+  <p:timing>
+    <p:tnLst>
+      <p:par>
+        <p:cTn id="1" dur="indefinite" restart="never" nodeType="tmRoot"/>
+      </p:par>
+    </p:tnLst>
+  </p:timing>
 </p:sld>
 </file>
 
@@ -3581,6 +4013,482 @@
   <p:clrMapOvr>
     <a:masterClrMapping/>
   </p:clrMapOvr>
+  <p:transition spd="slow">
+    <p:push dir="u"/>
+  </p:transition>
+  <p:timing>
+    <p:tnLst>
+      <p:par>
+        <p:cTn id="1" dur="indefinite" restart="never" nodeType="tmRoot">
+          <p:childTnLst>
+            <p:seq concurrent="1" nextAc="seek">
+              <p:cTn id="2" dur="indefinite" nodeType="mainSeq">
+                <p:childTnLst>
+                  <p:par>
+                    <p:cTn id="3" fill="hold">
+                      <p:stCondLst>
+                        <p:cond delay="indefinite"/>
+                      </p:stCondLst>
+                      <p:childTnLst>
+                        <p:par>
+                          <p:cTn id="4" fill="hold">
+                            <p:stCondLst>
+                              <p:cond delay="0"/>
+                            </p:stCondLst>
+                            <p:childTnLst>
+                              <p:par>
+                                <p:cTn id="5" presetID="2" presetClass="entr" presetSubtype="4" fill="hold" nodeType="clickEffect">
+                                  <p:stCondLst>
+                                    <p:cond delay="0"/>
+                                  </p:stCondLst>
+                                  <p:childTnLst>
+                                    <p:set>
+                                      <p:cBhvr>
+                                        <p:cTn id="6" dur="1" fill="hold">
+                                          <p:stCondLst>
+                                            <p:cond delay="0"/>
+                                          </p:stCondLst>
+                                        </p:cTn>
+                                        <p:tgtEl>
+                                          <p:spTgt spid="3">
+                                            <p:txEl>
+                                              <p:pRg st="0" end="0"/>
+                                            </p:txEl>
+                                          </p:spTgt>
+                                        </p:tgtEl>
+                                        <p:attrNameLst>
+                                          <p:attrName>style.visibility</p:attrName>
+                                        </p:attrNameLst>
+                                      </p:cBhvr>
+                                      <p:to>
+                                        <p:strVal val="visible"/>
+                                      </p:to>
+                                    </p:set>
+                                    <p:anim calcmode="lin" valueType="num">
+                                      <p:cBhvr additive="base">
+                                        <p:cTn id="7" dur="500" fill="hold"/>
+                                        <p:tgtEl>
+                                          <p:spTgt spid="3">
+                                            <p:txEl>
+                                              <p:pRg st="0" end="0"/>
+                                            </p:txEl>
+                                          </p:spTgt>
+                                        </p:tgtEl>
+                                        <p:attrNameLst>
+                                          <p:attrName>ppt_x</p:attrName>
+                                        </p:attrNameLst>
+                                      </p:cBhvr>
+                                      <p:tavLst>
+                                        <p:tav tm="0">
+                                          <p:val>
+                                            <p:strVal val="#ppt_x"/>
+                                          </p:val>
+                                        </p:tav>
+                                        <p:tav tm="100000">
+                                          <p:val>
+                                            <p:strVal val="#ppt_x"/>
+                                          </p:val>
+                                        </p:tav>
+                                      </p:tavLst>
+                                    </p:anim>
+                                    <p:anim calcmode="lin" valueType="num">
+                                      <p:cBhvr additive="base">
+                                        <p:cTn id="8" dur="500" fill="hold"/>
+                                        <p:tgtEl>
+                                          <p:spTgt spid="3">
+                                            <p:txEl>
+                                              <p:pRg st="0" end="0"/>
+                                            </p:txEl>
+                                          </p:spTgt>
+                                        </p:tgtEl>
+                                        <p:attrNameLst>
+                                          <p:attrName>ppt_y</p:attrName>
+                                        </p:attrNameLst>
+                                      </p:cBhvr>
+                                      <p:tavLst>
+                                        <p:tav tm="0">
+                                          <p:val>
+                                            <p:strVal val="1+#ppt_h/2"/>
+                                          </p:val>
+                                        </p:tav>
+                                        <p:tav tm="100000">
+                                          <p:val>
+                                            <p:strVal val="#ppt_y"/>
+                                          </p:val>
+                                        </p:tav>
+                                      </p:tavLst>
+                                    </p:anim>
+                                  </p:childTnLst>
+                                </p:cTn>
+                              </p:par>
+                              <p:par>
+                                <p:cTn id="9" presetID="2" presetClass="entr" presetSubtype="4" fill="hold" nodeType="withEffect">
+                                  <p:stCondLst>
+                                    <p:cond delay="0"/>
+                                  </p:stCondLst>
+                                  <p:childTnLst>
+                                    <p:set>
+                                      <p:cBhvr>
+                                        <p:cTn id="10" dur="1" fill="hold">
+                                          <p:stCondLst>
+                                            <p:cond delay="0"/>
+                                          </p:stCondLst>
+                                        </p:cTn>
+                                        <p:tgtEl>
+                                          <p:spTgt spid="3">
+                                            <p:txEl>
+                                              <p:pRg st="1" end="1"/>
+                                            </p:txEl>
+                                          </p:spTgt>
+                                        </p:tgtEl>
+                                        <p:attrNameLst>
+                                          <p:attrName>style.visibility</p:attrName>
+                                        </p:attrNameLst>
+                                      </p:cBhvr>
+                                      <p:to>
+                                        <p:strVal val="visible"/>
+                                      </p:to>
+                                    </p:set>
+                                    <p:anim calcmode="lin" valueType="num">
+                                      <p:cBhvr additive="base">
+                                        <p:cTn id="11" dur="500" fill="hold"/>
+                                        <p:tgtEl>
+                                          <p:spTgt spid="3">
+                                            <p:txEl>
+                                              <p:pRg st="1" end="1"/>
+                                            </p:txEl>
+                                          </p:spTgt>
+                                        </p:tgtEl>
+                                        <p:attrNameLst>
+                                          <p:attrName>ppt_x</p:attrName>
+                                        </p:attrNameLst>
+                                      </p:cBhvr>
+                                      <p:tavLst>
+                                        <p:tav tm="0">
+                                          <p:val>
+                                            <p:strVal val="#ppt_x"/>
+                                          </p:val>
+                                        </p:tav>
+                                        <p:tav tm="100000">
+                                          <p:val>
+                                            <p:strVal val="#ppt_x"/>
+                                          </p:val>
+                                        </p:tav>
+                                      </p:tavLst>
+                                    </p:anim>
+                                    <p:anim calcmode="lin" valueType="num">
+                                      <p:cBhvr additive="base">
+                                        <p:cTn id="12" dur="500" fill="hold"/>
+                                        <p:tgtEl>
+                                          <p:spTgt spid="3">
+                                            <p:txEl>
+                                              <p:pRg st="1" end="1"/>
+                                            </p:txEl>
+                                          </p:spTgt>
+                                        </p:tgtEl>
+                                        <p:attrNameLst>
+                                          <p:attrName>ppt_y</p:attrName>
+                                        </p:attrNameLst>
+                                      </p:cBhvr>
+                                      <p:tavLst>
+                                        <p:tav tm="0">
+                                          <p:val>
+                                            <p:strVal val="1+#ppt_h/2"/>
+                                          </p:val>
+                                        </p:tav>
+                                        <p:tav tm="100000">
+                                          <p:val>
+                                            <p:strVal val="#ppt_y"/>
+                                          </p:val>
+                                        </p:tav>
+                                      </p:tavLst>
+                                    </p:anim>
+                                  </p:childTnLst>
+                                </p:cTn>
+                              </p:par>
+                              <p:par>
+                                <p:cTn id="13" presetID="2" presetClass="entr" presetSubtype="4" fill="hold" nodeType="withEffect">
+                                  <p:stCondLst>
+                                    <p:cond delay="0"/>
+                                  </p:stCondLst>
+                                  <p:childTnLst>
+                                    <p:set>
+                                      <p:cBhvr>
+                                        <p:cTn id="14" dur="1" fill="hold">
+                                          <p:stCondLst>
+                                            <p:cond delay="0"/>
+                                          </p:stCondLst>
+                                        </p:cTn>
+                                        <p:tgtEl>
+                                          <p:spTgt spid="3">
+                                            <p:txEl>
+                                              <p:pRg st="2" end="2"/>
+                                            </p:txEl>
+                                          </p:spTgt>
+                                        </p:tgtEl>
+                                        <p:attrNameLst>
+                                          <p:attrName>style.visibility</p:attrName>
+                                        </p:attrNameLst>
+                                      </p:cBhvr>
+                                      <p:to>
+                                        <p:strVal val="visible"/>
+                                      </p:to>
+                                    </p:set>
+                                    <p:anim calcmode="lin" valueType="num">
+                                      <p:cBhvr additive="base">
+                                        <p:cTn id="15" dur="500" fill="hold"/>
+                                        <p:tgtEl>
+                                          <p:spTgt spid="3">
+                                            <p:txEl>
+                                              <p:pRg st="2" end="2"/>
+                                            </p:txEl>
+                                          </p:spTgt>
+                                        </p:tgtEl>
+                                        <p:attrNameLst>
+                                          <p:attrName>ppt_x</p:attrName>
+                                        </p:attrNameLst>
+                                      </p:cBhvr>
+                                      <p:tavLst>
+                                        <p:tav tm="0">
+                                          <p:val>
+                                            <p:strVal val="#ppt_x"/>
+                                          </p:val>
+                                        </p:tav>
+                                        <p:tav tm="100000">
+                                          <p:val>
+                                            <p:strVal val="#ppt_x"/>
+                                          </p:val>
+                                        </p:tav>
+                                      </p:tavLst>
+                                    </p:anim>
+                                    <p:anim calcmode="lin" valueType="num">
+                                      <p:cBhvr additive="base">
+                                        <p:cTn id="16" dur="500" fill="hold"/>
+                                        <p:tgtEl>
+                                          <p:spTgt spid="3">
+                                            <p:txEl>
+                                              <p:pRg st="2" end="2"/>
+                                            </p:txEl>
+                                          </p:spTgt>
+                                        </p:tgtEl>
+                                        <p:attrNameLst>
+                                          <p:attrName>ppt_y</p:attrName>
+                                        </p:attrNameLst>
+                                      </p:cBhvr>
+                                      <p:tavLst>
+                                        <p:tav tm="0">
+                                          <p:val>
+                                            <p:strVal val="1+#ppt_h/2"/>
+                                          </p:val>
+                                        </p:tav>
+                                        <p:tav tm="100000">
+                                          <p:val>
+                                            <p:strVal val="#ppt_y"/>
+                                          </p:val>
+                                        </p:tav>
+                                      </p:tavLst>
+                                    </p:anim>
+                                  </p:childTnLst>
+                                </p:cTn>
+                              </p:par>
+                              <p:par>
+                                <p:cTn id="17" presetID="2" presetClass="entr" presetSubtype="4" fill="hold" nodeType="withEffect">
+                                  <p:stCondLst>
+                                    <p:cond delay="0"/>
+                                  </p:stCondLst>
+                                  <p:childTnLst>
+                                    <p:set>
+                                      <p:cBhvr>
+                                        <p:cTn id="18" dur="1" fill="hold">
+                                          <p:stCondLst>
+                                            <p:cond delay="0"/>
+                                          </p:stCondLst>
+                                        </p:cTn>
+                                        <p:tgtEl>
+                                          <p:spTgt spid="3">
+                                            <p:txEl>
+                                              <p:pRg st="3" end="3"/>
+                                            </p:txEl>
+                                          </p:spTgt>
+                                        </p:tgtEl>
+                                        <p:attrNameLst>
+                                          <p:attrName>style.visibility</p:attrName>
+                                        </p:attrNameLst>
+                                      </p:cBhvr>
+                                      <p:to>
+                                        <p:strVal val="visible"/>
+                                      </p:to>
+                                    </p:set>
+                                    <p:anim calcmode="lin" valueType="num">
+                                      <p:cBhvr additive="base">
+                                        <p:cTn id="19" dur="500" fill="hold"/>
+                                        <p:tgtEl>
+                                          <p:spTgt spid="3">
+                                            <p:txEl>
+                                              <p:pRg st="3" end="3"/>
+                                            </p:txEl>
+                                          </p:spTgt>
+                                        </p:tgtEl>
+                                        <p:attrNameLst>
+                                          <p:attrName>ppt_x</p:attrName>
+                                        </p:attrNameLst>
+                                      </p:cBhvr>
+                                      <p:tavLst>
+                                        <p:tav tm="0">
+                                          <p:val>
+                                            <p:strVal val="#ppt_x"/>
+                                          </p:val>
+                                        </p:tav>
+                                        <p:tav tm="100000">
+                                          <p:val>
+                                            <p:strVal val="#ppt_x"/>
+                                          </p:val>
+                                        </p:tav>
+                                      </p:tavLst>
+                                    </p:anim>
+                                    <p:anim calcmode="lin" valueType="num">
+                                      <p:cBhvr additive="base">
+                                        <p:cTn id="20" dur="500" fill="hold"/>
+                                        <p:tgtEl>
+                                          <p:spTgt spid="3">
+                                            <p:txEl>
+                                              <p:pRg st="3" end="3"/>
+                                            </p:txEl>
+                                          </p:spTgt>
+                                        </p:tgtEl>
+                                        <p:attrNameLst>
+                                          <p:attrName>ppt_y</p:attrName>
+                                        </p:attrNameLst>
+                                      </p:cBhvr>
+                                      <p:tavLst>
+                                        <p:tav tm="0">
+                                          <p:val>
+                                            <p:strVal val="1+#ppt_h/2"/>
+                                          </p:val>
+                                        </p:tav>
+                                        <p:tav tm="100000">
+                                          <p:val>
+                                            <p:strVal val="#ppt_y"/>
+                                          </p:val>
+                                        </p:tav>
+                                      </p:tavLst>
+                                    </p:anim>
+                                  </p:childTnLst>
+                                </p:cTn>
+                              </p:par>
+                              <p:par>
+                                <p:cTn id="21" presetID="2" presetClass="entr" presetSubtype="4" fill="hold" nodeType="withEffect">
+                                  <p:stCondLst>
+                                    <p:cond delay="0"/>
+                                  </p:stCondLst>
+                                  <p:childTnLst>
+                                    <p:set>
+                                      <p:cBhvr>
+                                        <p:cTn id="22" dur="1" fill="hold">
+                                          <p:stCondLst>
+                                            <p:cond delay="0"/>
+                                          </p:stCondLst>
+                                        </p:cTn>
+                                        <p:tgtEl>
+                                          <p:spTgt spid="3">
+                                            <p:txEl>
+                                              <p:pRg st="4" end="4"/>
+                                            </p:txEl>
+                                          </p:spTgt>
+                                        </p:tgtEl>
+                                        <p:attrNameLst>
+                                          <p:attrName>style.visibility</p:attrName>
+                                        </p:attrNameLst>
+                                      </p:cBhvr>
+                                      <p:to>
+                                        <p:strVal val="visible"/>
+                                      </p:to>
+                                    </p:set>
+                                    <p:anim calcmode="lin" valueType="num">
+                                      <p:cBhvr additive="base">
+                                        <p:cTn id="23" dur="500" fill="hold"/>
+                                        <p:tgtEl>
+                                          <p:spTgt spid="3">
+                                            <p:txEl>
+                                              <p:pRg st="4" end="4"/>
+                                            </p:txEl>
+                                          </p:spTgt>
+                                        </p:tgtEl>
+                                        <p:attrNameLst>
+                                          <p:attrName>ppt_x</p:attrName>
+                                        </p:attrNameLst>
+                                      </p:cBhvr>
+                                      <p:tavLst>
+                                        <p:tav tm="0">
+                                          <p:val>
+                                            <p:strVal val="#ppt_x"/>
+                                          </p:val>
+                                        </p:tav>
+                                        <p:tav tm="100000">
+                                          <p:val>
+                                            <p:strVal val="#ppt_x"/>
+                                          </p:val>
+                                        </p:tav>
+                                      </p:tavLst>
+                                    </p:anim>
+                                    <p:anim calcmode="lin" valueType="num">
+                                      <p:cBhvr additive="base">
+                                        <p:cTn id="24" dur="500" fill="hold"/>
+                                        <p:tgtEl>
+                                          <p:spTgt spid="3">
+                                            <p:txEl>
+                                              <p:pRg st="4" end="4"/>
+                                            </p:txEl>
+                                          </p:spTgt>
+                                        </p:tgtEl>
+                                        <p:attrNameLst>
+                                          <p:attrName>ppt_y</p:attrName>
+                                        </p:attrNameLst>
+                                      </p:cBhvr>
+                                      <p:tavLst>
+                                        <p:tav tm="0">
+                                          <p:val>
+                                            <p:strVal val="1+#ppt_h/2"/>
+                                          </p:val>
+                                        </p:tav>
+                                        <p:tav tm="100000">
+                                          <p:val>
+                                            <p:strVal val="#ppt_y"/>
+                                          </p:val>
+                                        </p:tav>
+                                      </p:tavLst>
+                                    </p:anim>
+                                  </p:childTnLst>
+                                </p:cTn>
+                              </p:par>
+                            </p:childTnLst>
+                          </p:cTn>
+                        </p:par>
+                      </p:childTnLst>
+                    </p:cTn>
+                  </p:par>
+                </p:childTnLst>
+              </p:cTn>
+              <p:prevCondLst>
+                <p:cond evt="onPrev" delay="0">
+                  <p:tgtEl>
+                    <p:sldTgt/>
+                  </p:tgtEl>
+                </p:cond>
+              </p:prevCondLst>
+              <p:nextCondLst>
+                <p:cond evt="onNext" delay="0">
+                  <p:tgtEl>
+                    <p:sldTgt/>
+                  </p:tgtEl>
+                </p:cond>
+              </p:nextCondLst>
+            </p:seq>
+          </p:childTnLst>
+        </p:cTn>
+      </p:par>
+    </p:tnLst>
+  </p:timing>
 </p:sld>
 </file>
 
@@ -3618,7 +4526,15 @@
           <a:p>
             <a:r>
               <a:rPr lang="en-US" dirty="0" smtClean="0"/>
-              <a:t>Accomplishments</a:t>
+              <a:t>Accomplishments </a:t>
+            </a:r>
+            <a:r>
+              <a:rPr lang="mr-IN" dirty="0" smtClean="0"/>
+              <a:t>–</a:t>
+            </a:r>
+            <a:r>
+              <a:rPr lang="en-US" dirty="0" smtClean="0"/>
+              <a:t> What We Learned</a:t>
             </a:r>
             <a:endParaRPr lang="en-US" dirty="0"/>
           </a:p>
@@ -3646,24 +4562,8 @@
           </a:p>
           <a:p>
             <a:r>
-              <a:rPr lang="de-DE" dirty="0" smtClean="0"/>
-              <a:t>Force </a:t>
-            </a:r>
-            <a:r>
               <a:rPr lang="de-DE" dirty="0" err="1" smtClean="0"/>
-              <a:t>merge</a:t>
-            </a:r>
-            <a:r>
-              <a:rPr lang="de-DE" smtClean="0"/>
-              <a:t>, push, pull</a:t>
-            </a:r>
-            <a:r>
-              <a:rPr lang="de-DE" dirty="0" smtClean="0"/>
-              <a:t>, etc. not a </a:t>
-            </a:r>
-            <a:r>
-              <a:rPr lang="de-DE" dirty="0" err="1" smtClean="0"/>
-              <a:t>good</a:t>
+              <a:t>Importance</a:t>
             </a:r>
             <a:r>
               <a:rPr lang="de-DE" dirty="0" smtClean="0"/>
@@ -3671,23 +4571,135 @@
             </a:r>
             <a:r>
               <a:rPr lang="de-DE" dirty="0" err="1" smtClean="0"/>
-              <a:t>idea</a:t>
+              <a:t>of</a:t>
             </a:r>
             <a:r>
               <a:rPr lang="de-DE" dirty="0" smtClean="0"/>
               <a:t> </a:t>
             </a:r>
             <a:r>
+              <a:rPr lang="de-DE" dirty="0" err="1"/>
+              <a:t>n</a:t>
+            </a:r>
+            <a:r>
               <a:rPr lang="de-DE" dirty="0" err="1" smtClean="0"/>
-              <a:t>with</a:t>
+              <a:t>aming</a:t>
             </a:r>
             <a:r>
               <a:rPr lang="de-DE" dirty="0" smtClean="0"/>
               <a:t> </a:t>
             </a:r>
             <a:r>
+              <a:rPr lang="de-DE" dirty="0" err="1"/>
+              <a:t>c</a:t>
+            </a:r>
+            <a:r>
+              <a:rPr lang="de-DE" dirty="0" err="1" smtClean="0"/>
+              <a:t>onventions</a:t>
+            </a:r>
+            <a:endParaRPr lang="de-DE" dirty="0" smtClean="0"/>
+          </a:p>
+          <a:p>
+            <a:pPr lvl="1"/>
+            <a:r>
+              <a:rPr lang="de-DE" dirty="0" err="1" smtClean="0"/>
+              <a:t>createdUtc</a:t>
+            </a:r>
+            <a:r>
+              <a:rPr lang="de-DE" dirty="0" smtClean="0"/>
+              <a:t>  ≠ </a:t>
+            </a:r>
+            <a:r>
+              <a:rPr lang="de-DE" dirty="0" err="1" smtClean="0"/>
+              <a:t>created_utc</a:t>
+            </a:r>
+            <a:endParaRPr lang="de-DE" dirty="0" smtClean="0"/>
+          </a:p>
+          <a:p>
+            <a:r>
+              <a:rPr lang="de-DE" dirty="0" err="1"/>
+              <a:t>Conflicts</a:t>
+            </a:r>
+            <a:r>
+              <a:rPr lang="de-DE" dirty="0"/>
+              <a:t> </a:t>
+            </a:r>
+            <a:r>
+              <a:rPr lang="de-DE" dirty="0" err="1"/>
+              <a:t>are</a:t>
+            </a:r>
+            <a:r>
+              <a:rPr lang="de-DE" dirty="0"/>
+              <a:t> </a:t>
+            </a:r>
+            <a:r>
+              <a:rPr lang="de-DE" dirty="0" err="1"/>
+              <a:t>good</a:t>
+            </a:r>
+            <a:endParaRPr lang="de-DE" dirty="0"/>
+          </a:p>
+          <a:p>
+            <a:r>
+              <a:rPr lang="de-DE" dirty="0"/>
+              <a:t>Force </a:t>
+            </a:r>
+            <a:r>
+              <a:rPr lang="de-DE" dirty="0" err="1"/>
+              <a:t>merge</a:t>
+            </a:r>
+            <a:r>
+              <a:rPr lang="de-DE" dirty="0"/>
+              <a:t>, push, pull, etc. not a </a:t>
+            </a:r>
+            <a:r>
+              <a:rPr lang="de-DE" dirty="0" err="1"/>
+              <a:t>good</a:t>
+            </a:r>
+            <a:r>
+              <a:rPr lang="de-DE" dirty="0"/>
+              <a:t> </a:t>
+            </a:r>
+            <a:r>
+              <a:rPr lang="de-DE" dirty="0" err="1"/>
+              <a:t>idea</a:t>
+            </a:r>
+            <a:r>
+              <a:rPr lang="de-DE" dirty="0"/>
+              <a:t> </a:t>
+            </a:r>
+            <a:r>
+              <a:rPr lang="de-DE" dirty="0" err="1"/>
+              <a:t>with</a:t>
+            </a:r>
+            <a:r>
+              <a:rPr lang="de-DE" dirty="0"/>
+              <a:t> </a:t>
+            </a:r>
+            <a:r>
               <a:rPr lang="de-DE" dirty="0" err="1" smtClean="0"/>
               <a:t>Git</a:t>
+            </a:r>
+            <a:endParaRPr lang="de-DE" dirty="0" smtClean="0"/>
+          </a:p>
+          <a:p>
+            <a:r>
+              <a:rPr lang="de-DE" dirty="0" err="1" smtClean="0"/>
+              <a:t>Scrum</a:t>
+            </a:r>
+            <a:r>
+              <a:rPr lang="de-DE" dirty="0" smtClean="0"/>
+              <a:t> </a:t>
+            </a:r>
+            <a:r>
+              <a:rPr lang="de-DE" dirty="0" err="1" smtClean="0"/>
+              <a:t>basics</a:t>
+            </a:r>
+            <a:endParaRPr lang="de-DE" dirty="0" smtClean="0"/>
+          </a:p>
+          <a:p>
+            <a:r>
+              <a:rPr lang="de-DE" dirty="0" err="1" smtClean="0"/>
+              <a:t>Jira</a:t>
             </a:r>
             <a:endParaRPr lang="de-DE" dirty="0" smtClean="0"/>
           </a:p>
@@ -3709,6 +4721,760 @@
   <p:clrMapOvr>
     <a:masterClrMapping/>
   </p:clrMapOvr>
+  <p:transition spd="slow">
+    <p:push dir="u"/>
+  </p:transition>
+  <p:timing>
+    <p:tnLst>
+      <p:par>
+        <p:cTn id="1" dur="indefinite" restart="never" nodeType="tmRoot">
+          <p:childTnLst>
+            <p:seq concurrent="1" nextAc="seek">
+              <p:cTn id="2" dur="indefinite" nodeType="mainSeq">
+                <p:childTnLst>
+                  <p:par>
+                    <p:cTn id="3" fill="hold">
+                      <p:stCondLst>
+                        <p:cond delay="indefinite"/>
+                      </p:stCondLst>
+                      <p:childTnLst>
+                        <p:par>
+                          <p:cTn id="4" fill="hold">
+                            <p:stCondLst>
+                              <p:cond delay="0"/>
+                            </p:stCondLst>
+                            <p:childTnLst>
+                              <p:par>
+                                <p:cTn id="5" presetID="2" presetClass="entr" presetSubtype="4" fill="hold" nodeType="clickEffect">
+                                  <p:stCondLst>
+                                    <p:cond delay="0"/>
+                                  </p:stCondLst>
+                                  <p:childTnLst>
+                                    <p:set>
+                                      <p:cBhvr>
+                                        <p:cTn id="6" dur="1" fill="hold">
+                                          <p:stCondLst>
+                                            <p:cond delay="0"/>
+                                          </p:stCondLst>
+                                        </p:cTn>
+                                        <p:tgtEl>
+                                          <p:spTgt spid="3">
+                                            <p:txEl>
+                                              <p:pRg st="0" end="0"/>
+                                            </p:txEl>
+                                          </p:spTgt>
+                                        </p:tgtEl>
+                                        <p:attrNameLst>
+                                          <p:attrName>style.visibility</p:attrName>
+                                        </p:attrNameLst>
+                                      </p:cBhvr>
+                                      <p:to>
+                                        <p:strVal val="visible"/>
+                                      </p:to>
+                                    </p:set>
+                                    <p:anim calcmode="lin" valueType="num">
+                                      <p:cBhvr additive="base">
+                                        <p:cTn id="7" dur="500" fill="hold"/>
+                                        <p:tgtEl>
+                                          <p:spTgt spid="3">
+                                            <p:txEl>
+                                              <p:pRg st="0" end="0"/>
+                                            </p:txEl>
+                                          </p:spTgt>
+                                        </p:tgtEl>
+                                        <p:attrNameLst>
+                                          <p:attrName>ppt_x</p:attrName>
+                                        </p:attrNameLst>
+                                      </p:cBhvr>
+                                      <p:tavLst>
+                                        <p:tav tm="0">
+                                          <p:val>
+                                            <p:strVal val="#ppt_x"/>
+                                          </p:val>
+                                        </p:tav>
+                                        <p:tav tm="100000">
+                                          <p:val>
+                                            <p:strVal val="#ppt_x"/>
+                                          </p:val>
+                                        </p:tav>
+                                      </p:tavLst>
+                                    </p:anim>
+                                    <p:anim calcmode="lin" valueType="num">
+                                      <p:cBhvr additive="base">
+                                        <p:cTn id="8" dur="500" fill="hold"/>
+                                        <p:tgtEl>
+                                          <p:spTgt spid="3">
+                                            <p:txEl>
+                                              <p:pRg st="0" end="0"/>
+                                            </p:txEl>
+                                          </p:spTgt>
+                                        </p:tgtEl>
+                                        <p:attrNameLst>
+                                          <p:attrName>ppt_y</p:attrName>
+                                        </p:attrNameLst>
+                                      </p:cBhvr>
+                                      <p:tavLst>
+                                        <p:tav tm="0">
+                                          <p:val>
+                                            <p:strVal val="1+#ppt_h/2"/>
+                                          </p:val>
+                                        </p:tav>
+                                        <p:tav tm="100000">
+                                          <p:val>
+                                            <p:strVal val="#ppt_y"/>
+                                          </p:val>
+                                        </p:tav>
+                                      </p:tavLst>
+                                    </p:anim>
+                                  </p:childTnLst>
+                                </p:cTn>
+                              </p:par>
+                            </p:childTnLst>
+                          </p:cTn>
+                        </p:par>
+                      </p:childTnLst>
+                    </p:cTn>
+                  </p:par>
+                  <p:par>
+                    <p:cTn id="9" fill="hold">
+                      <p:stCondLst>
+                        <p:cond delay="indefinite"/>
+                      </p:stCondLst>
+                      <p:childTnLst>
+                        <p:par>
+                          <p:cTn id="10" fill="hold">
+                            <p:stCondLst>
+                              <p:cond delay="0"/>
+                            </p:stCondLst>
+                            <p:childTnLst>
+                              <p:par>
+                                <p:cTn id="11" presetID="2" presetClass="entr" presetSubtype="4" fill="hold" nodeType="clickEffect">
+                                  <p:stCondLst>
+                                    <p:cond delay="0"/>
+                                  </p:stCondLst>
+                                  <p:childTnLst>
+                                    <p:set>
+                                      <p:cBhvr>
+                                        <p:cTn id="12" dur="1" fill="hold">
+                                          <p:stCondLst>
+                                            <p:cond delay="0"/>
+                                          </p:stCondLst>
+                                        </p:cTn>
+                                        <p:tgtEl>
+                                          <p:spTgt spid="3">
+                                            <p:txEl>
+                                              <p:pRg st="1" end="1"/>
+                                            </p:txEl>
+                                          </p:spTgt>
+                                        </p:tgtEl>
+                                        <p:attrNameLst>
+                                          <p:attrName>style.visibility</p:attrName>
+                                        </p:attrNameLst>
+                                      </p:cBhvr>
+                                      <p:to>
+                                        <p:strVal val="visible"/>
+                                      </p:to>
+                                    </p:set>
+                                    <p:anim calcmode="lin" valueType="num">
+                                      <p:cBhvr additive="base">
+                                        <p:cTn id="13" dur="500" fill="hold"/>
+                                        <p:tgtEl>
+                                          <p:spTgt spid="3">
+                                            <p:txEl>
+                                              <p:pRg st="1" end="1"/>
+                                            </p:txEl>
+                                          </p:spTgt>
+                                        </p:tgtEl>
+                                        <p:attrNameLst>
+                                          <p:attrName>ppt_x</p:attrName>
+                                        </p:attrNameLst>
+                                      </p:cBhvr>
+                                      <p:tavLst>
+                                        <p:tav tm="0">
+                                          <p:val>
+                                            <p:strVal val="#ppt_x"/>
+                                          </p:val>
+                                        </p:tav>
+                                        <p:tav tm="100000">
+                                          <p:val>
+                                            <p:strVal val="#ppt_x"/>
+                                          </p:val>
+                                        </p:tav>
+                                      </p:tavLst>
+                                    </p:anim>
+                                    <p:anim calcmode="lin" valueType="num">
+                                      <p:cBhvr additive="base">
+                                        <p:cTn id="14" dur="500" fill="hold"/>
+                                        <p:tgtEl>
+                                          <p:spTgt spid="3">
+                                            <p:txEl>
+                                              <p:pRg st="1" end="1"/>
+                                            </p:txEl>
+                                          </p:spTgt>
+                                        </p:tgtEl>
+                                        <p:attrNameLst>
+                                          <p:attrName>ppt_y</p:attrName>
+                                        </p:attrNameLst>
+                                      </p:cBhvr>
+                                      <p:tavLst>
+                                        <p:tav tm="0">
+                                          <p:val>
+                                            <p:strVal val="1+#ppt_h/2"/>
+                                          </p:val>
+                                        </p:tav>
+                                        <p:tav tm="100000">
+                                          <p:val>
+                                            <p:strVal val="#ppt_y"/>
+                                          </p:val>
+                                        </p:tav>
+                                      </p:tavLst>
+                                    </p:anim>
+                                  </p:childTnLst>
+                                </p:cTn>
+                              </p:par>
+                            </p:childTnLst>
+                          </p:cTn>
+                        </p:par>
+                      </p:childTnLst>
+                    </p:cTn>
+                  </p:par>
+                  <p:par>
+                    <p:cTn id="15" fill="hold">
+                      <p:stCondLst>
+                        <p:cond delay="indefinite"/>
+                      </p:stCondLst>
+                      <p:childTnLst>
+                        <p:par>
+                          <p:cTn id="16" fill="hold">
+                            <p:stCondLst>
+                              <p:cond delay="0"/>
+                            </p:stCondLst>
+                            <p:childTnLst>
+                              <p:par>
+                                <p:cTn id="17" presetID="2" presetClass="entr" presetSubtype="4" fill="hold" nodeType="clickEffect">
+                                  <p:stCondLst>
+                                    <p:cond delay="0"/>
+                                  </p:stCondLst>
+                                  <p:childTnLst>
+                                    <p:set>
+                                      <p:cBhvr>
+                                        <p:cTn id="18" dur="1" fill="hold">
+                                          <p:stCondLst>
+                                            <p:cond delay="0"/>
+                                          </p:stCondLst>
+                                        </p:cTn>
+                                        <p:tgtEl>
+                                          <p:spTgt spid="3">
+                                            <p:txEl>
+                                              <p:pRg st="2" end="2"/>
+                                            </p:txEl>
+                                          </p:spTgt>
+                                        </p:tgtEl>
+                                        <p:attrNameLst>
+                                          <p:attrName>style.visibility</p:attrName>
+                                        </p:attrNameLst>
+                                      </p:cBhvr>
+                                      <p:to>
+                                        <p:strVal val="visible"/>
+                                      </p:to>
+                                    </p:set>
+                                    <p:anim calcmode="lin" valueType="num">
+                                      <p:cBhvr additive="base">
+                                        <p:cTn id="19" dur="500" fill="hold"/>
+                                        <p:tgtEl>
+                                          <p:spTgt spid="3">
+                                            <p:txEl>
+                                              <p:pRg st="2" end="2"/>
+                                            </p:txEl>
+                                          </p:spTgt>
+                                        </p:tgtEl>
+                                        <p:attrNameLst>
+                                          <p:attrName>ppt_x</p:attrName>
+                                        </p:attrNameLst>
+                                      </p:cBhvr>
+                                      <p:tavLst>
+                                        <p:tav tm="0">
+                                          <p:val>
+                                            <p:strVal val="#ppt_x"/>
+                                          </p:val>
+                                        </p:tav>
+                                        <p:tav tm="100000">
+                                          <p:val>
+                                            <p:strVal val="#ppt_x"/>
+                                          </p:val>
+                                        </p:tav>
+                                      </p:tavLst>
+                                    </p:anim>
+                                    <p:anim calcmode="lin" valueType="num">
+                                      <p:cBhvr additive="base">
+                                        <p:cTn id="20" dur="500" fill="hold"/>
+                                        <p:tgtEl>
+                                          <p:spTgt spid="3">
+                                            <p:txEl>
+                                              <p:pRg st="2" end="2"/>
+                                            </p:txEl>
+                                          </p:spTgt>
+                                        </p:tgtEl>
+                                        <p:attrNameLst>
+                                          <p:attrName>ppt_y</p:attrName>
+                                        </p:attrNameLst>
+                                      </p:cBhvr>
+                                      <p:tavLst>
+                                        <p:tav tm="0">
+                                          <p:val>
+                                            <p:strVal val="1+#ppt_h/2"/>
+                                          </p:val>
+                                        </p:tav>
+                                        <p:tav tm="100000">
+                                          <p:val>
+                                            <p:strVal val="#ppt_y"/>
+                                          </p:val>
+                                        </p:tav>
+                                      </p:tavLst>
+                                    </p:anim>
+                                  </p:childTnLst>
+                                </p:cTn>
+                              </p:par>
+                            </p:childTnLst>
+                          </p:cTn>
+                        </p:par>
+                      </p:childTnLst>
+                    </p:cTn>
+                  </p:par>
+                  <p:par>
+                    <p:cTn id="21" fill="hold">
+                      <p:stCondLst>
+                        <p:cond delay="indefinite"/>
+                      </p:stCondLst>
+                      <p:childTnLst>
+                        <p:par>
+                          <p:cTn id="22" fill="hold">
+                            <p:stCondLst>
+                              <p:cond delay="0"/>
+                            </p:stCondLst>
+                            <p:childTnLst>
+                              <p:par>
+                                <p:cTn id="23" presetID="2" presetClass="entr" presetSubtype="4" fill="hold" nodeType="clickEffect">
+                                  <p:stCondLst>
+                                    <p:cond delay="0"/>
+                                  </p:stCondLst>
+                                  <p:childTnLst>
+                                    <p:set>
+                                      <p:cBhvr>
+                                        <p:cTn id="24" dur="1" fill="hold">
+                                          <p:stCondLst>
+                                            <p:cond delay="0"/>
+                                          </p:stCondLst>
+                                        </p:cTn>
+                                        <p:tgtEl>
+                                          <p:spTgt spid="3">
+                                            <p:txEl>
+                                              <p:pRg st="3" end="3"/>
+                                            </p:txEl>
+                                          </p:spTgt>
+                                        </p:tgtEl>
+                                        <p:attrNameLst>
+                                          <p:attrName>style.visibility</p:attrName>
+                                        </p:attrNameLst>
+                                      </p:cBhvr>
+                                      <p:to>
+                                        <p:strVal val="visible"/>
+                                      </p:to>
+                                    </p:set>
+                                    <p:anim calcmode="lin" valueType="num">
+                                      <p:cBhvr additive="base">
+                                        <p:cTn id="25" dur="500" fill="hold"/>
+                                        <p:tgtEl>
+                                          <p:spTgt spid="3">
+                                            <p:txEl>
+                                              <p:pRg st="3" end="3"/>
+                                            </p:txEl>
+                                          </p:spTgt>
+                                        </p:tgtEl>
+                                        <p:attrNameLst>
+                                          <p:attrName>ppt_x</p:attrName>
+                                        </p:attrNameLst>
+                                      </p:cBhvr>
+                                      <p:tavLst>
+                                        <p:tav tm="0">
+                                          <p:val>
+                                            <p:strVal val="#ppt_x"/>
+                                          </p:val>
+                                        </p:tav>
+                                        <p:tav tm="100000">
+                                          <p:val>
+                                            <p:strVal val="#ppt_x"/>
+                                          </p:val>
+                                        </p:tav>
+                                      </p:tavLst>
+                                    </p:anim>
+                                    <p:anim calcmode="lin" valueType="num">
+                                      <p:cBhvr additive="base">
+                                        <p:cTn id="26" dur="500" fill="hold"/>
+                                        <p:tgtEl>
+                                          <p:spTgt spid="3">
+                                            <p:txEl>
+                                              <p:pRg st="3" end="3"/>
+                                            </p:txEl>
+                                          </p:spTgt>
+                                        </p:tgtEl>
+                                        <p:attrNameLst>
+                                          <p:attrName>ppt_y</p:attrName>
+                                        </p:attrNameLst>
+                                      </p:cBhvr>
+                                      <p:tavLst>
+                                        <p:tav tm="0">
+                                          <p:val>
+                                            <p:strVal val="1+#ppt_h/2"/>
+                                          </p:val>
+                                        </p:tav>
+                                        <p:tav tm="100000">
+                                          <p:val>
+                                            <p:strVal val="#ppt_y"/>
+                                          </p:val>
+                                        </p:tav>
+                                      </p:tavLst>
+                                    </p:anim>
+                                  </p:childTnLst>
+                                </p:cTn>
+                              </p:par>
+                            </p:childTnLst>
+                          </p:cTn>
+                        </p:par>
+                      </p:childTnLst>
+                    </p:cTn>
+                  </p:par>
+                  <p:par>
+                    <p:cTn id="27" fill="hold">
+                      <p:stCondLst>
+                        <p:cond delay="indefinite"/>
+                      </p:stCondLst>
+                      <p:childTnLst>
+                        <p:par>
+                          <p:cTn id="28" fill="hold">
+                            <p:stCondLst>
+                              <p:cond delay="0"/>
+                            </p:stCondLst>
+                            <p:childTnLst>
+                              <p:par>
+                                <p:cTn id="29" presetID="2" presetClass="entr" presetSubtype="4" fill="hold" nodeType="clickEffect">
+                                  <p:stCondLst>
+                                    <p:cond delay="0"/>
+                                  </p:stCondLst>
+                                  <p:childTnLst>
+                                    <p:set>
+                                      <p:cBhvr>
+                                        <p:cTn id="30" dur="1" fill="hold">
+                                          <p:stCondLst>
+                                            <p:cond delay="0"/>
+                                          </p:stCondLst>
+                                        </p:cTn>
+                                        <p:tgtEl>
+                                          <p:spTgt spid="3">
+                                            <p:txEl>
+                                              <p:pRg st="4" end="4"/>
+                                            </p:txEl>
+                                          </p:spTgt>
+                                        </p:tgtEl>
+                                        <p:attrNameLst>
+                                          <p:attrName>style.visibility</p:attrName>
+                                        </p:attrNameLst>
+                                      </p:cBhvr>
+                                      <p:to>
+                                        <p:strVal val="visible"/>
+                                      </p:to>
+                                    </p:set>
+                                    <p:anim calcmode="lin" valueType="num">
+                                      <p:cBhvr additive="base">
+                                        <p:cTn id="31" dur="500" fill="hold"/>
+                                        <p:tgtEl>
+                                          <p:spTgt spid="3">
+                                            <p:txEl>
+                                              <p:pRg st="4" end="4"/>
+                                            </p:txEl>
+                                          </p:spTgt>
+                                        </p:tgtEl>
+                                        <p:attrNameLst>
+                                          <p:attrName>ppt_x</p:attrName>
+                                        </p:attrNameLst>
+                                      </p:cBhvr>
+                                      <p:tavLst>
+                                        <p:tav tm="0">
+                                          <p:val>
+                                            <p:strVal val="#ppt_x"/>
+                                          </p:val>
+                                        </p:tav>
+                                        <p:tav tm="100000">
+                                          <p:val>
+                                            <p:strVal val="#ppt_x"/>
+                                          </p:val>
+                                        </p:tav>
+                                      </p:tavLst>
+                                    </p:anim>
+                                    <p:anim calcmode="lin" valueType="num">
+                                      <p:cBhvr additive="base">
+                                        <p:cTn id="32" dur="500" fill="hold"/>
+                                        <p:tgtEl>
+                                          <p:spTgt spid="3">
+                                            <p:txEl>
+                                              <p:pRg st="4" end="4"/>
+                                            </p:txEl>
+                                          </p:spTgt>
+                                        </p:tgtEl>
+                                        <p:attrNameLst>
+                                          <p:attrName>ppt_y</p:attrName>
+                                        </p:attrNameLst>
+                                      </p:cBhvr>
+                                      <p:tavLst>
+                                        <p:tav tm="0">
+                                          <p:val>
+                                            <p:strVal val="1+#ppt_h/2"/>
+                                          </p:val>
+                                        </p:tav>
+                                        <p:tav tm="100000">
+                                          <p:val>
+                                            <p:strVal val="#ppt_y"/>
+                                          </p:val>
+                                        </p:tav>
+                                      </p:tavLst>
+                                    </p:anim>
+                                  </p:childTnLst>
+                                </p:cTn>
+                              </p:par>
+                            </p:childTnLst>
+                          </p:cTn>
+                        </p:par>
+                      </p:childTnLst>
+                    </p:cTn>
+                  </p:par>
+                  <p:par>
+                    <p:cTn id="33" fill="hold">
+                      <p:stCondLst>
+                        <p:cond delay="indefinite"/>
+                      </p:stCondLst>
+                      <p:childTnLst>
+                        <p:par>
+                          <p:cTn id="34" fill="hold">
+                            <p:stCondLst>
+                              <p:cond delay="0"/>
+                            </p:stCondLst>
+                            <p:childTnLst>
+                              <p:par>
+                                <p:cTn id="35" presetID="2" presetClass="entr" presetSubtype="4" fill="hold" nodeType="clickEffect">
+                                  <p:stCondLst>
+                                    <p:cond delay="0"/>
+                                  </p:stCondLst>
+                                  <p:childTnLst>
+                                    <p:set>
+                                      <p:cBhvr>
+                                        <p:cTn id="36" dur="1" fill="hold">
+                                          <p:stCondLst>
+                                            <p:cond delay="0"/>
+                                          </p:stCondLst>
+                                        </p:cTn>
+                                        <p:tgtEl>
+                                          <p:spTgt spid="3">
+                                            <p:txEl>
+                                              <p:pRg st="5" end="5"/>
+                                            </p:txEl>
+                                          </p:spTgt>
+                                        </p:tgtEl>
+                                        <p:attrNameLst>
+                                          <p:attrName>style.visibility</p:attrName>
+                                        </p:attrNameLst>
+                                      </p:cBhvr>
+                                      <p:to>
+                                        <p:strVal val="visible"/>
+                                      </p:to>
+                                    </p:set>
+                                    <p:anim calcmode="lin" valueType="num">
+                                      <p:cBhvr additive="base">
+                                        <p:cTn id="37" dur="500" fill="hold"/>
+                                        <p:tgtEl>
+                                          <p:spTgt spid="3">
+                                            <p:txEl>
+                                              <p:pRg st="5" end="5"/>
+                                            </p:txEl>
+                                          </p:spTgt>
+                                        </p:tgtEl>
+                                        <p:attrNameLst>
+                                          <p:attrName>ppt_x</p:attrName>
+                                        </p:attrNameLst>
+                                      </p:cBhvr>
+                                      <p:tavLst>
+                                        <p:tav tm="0">
+                                          <p:val>
+                                            <p:strVal val="#ppt_x"/>
+                                          </p:val>
+                                        </p:tav>
+                                        <p:tav tm="100000">
+                                          <p:val>
+                                            <p:strVal val="#ppt_x"/>
+                                          </p:val>
+                                        </p:tav>
+                                      </p:tavLst>
+                                    </p:anim>
+                                    <p:anim calcmode="lin" valueType="num">
+                                      <p:cBhvr additive="base">
+                                        <p:cTn id="38" dur="500" fill="hold"/>
+                                        <p:tgtEl>
+                                          <p:spTgt spid="3">
+                                            <p:txEl>
+                                              <p:pRg st="5" end="5"/>
+                                            </p:txEl>
+                                          </p:spTgt>
+                                        </p:tgtEl>
+                                        <p:attrNameLst>
+                                          <p:attrName>ppt_y</p:attrName>
+                                        </p:attrNameLst>
+                                      </p:cBhvr>
+                                      <p:tavLst>
+                                        <p:tav tm="0">
+                                          <p:val>
+                                            <p:strVal val="1+#ppt_h/2"/>
+                                          </p:val>
+                                        </p:tav>
+                                        <p:tav tm="100000">
+                                          <p:val>
+                                            <p:strVal val="#ppt_y"/>
+                                          </p:val>
+                                        </p:tav>
+                                      </p:tavLst>
+                                    </p:anim>
+                                  </p:childTnLst>
+                                </p:cTn>
+                              </p:par>
+                            </p:childTnLst>
+                          </p:cTn>
+                        </p:par>
+                      </p:childTnLst>
+                    </p:cTn>
+                  </p:par>
+                  <p:par>
+                    <p:cTn id="39" fill="hold">
+                      <p:stCondLst>
+                        <p:cond delay="indefinite"/>
+                      </p:stCondLst>
+                      <p:childTnLst>
+                        <p:par>
+                          <p:cTn id="40" fill="hold">
+                            <p:stCondLst>
+                              <p:cond delay="0"/>
+                            </p:stCondLst>
+                            <p:childTnLst>
+                              <p:par>
+                                <p:cTn id="41" presetID="2" presetClass="entr" presetSubtype="4" fill="hold" nodeType="clickEffect">
+                                  <p:stCondLst>
+                                    <p:cond delay="0"/>
+                                  </p:stCondLst>
+                                  <p:childTnLst>
+                                    <p:set>
+                                      <p:cBhvr>
+                                        <p:cTn id="42" dur="1" fill="hold">
+                                          <p:stCondLst>
+                                            <p:cond delay="0"/>
+                                          </p:stCondLst>
+                                        </p:cTn>
+                                        <p:tgtEl>
+                                          <p:spTgt spid="3">
+                                            <p:txEl>
+                                              <p:pRg st="6" end="6"/>
+                                            </p:txEl>
+                                          </p:spTgt>
+                                        </p:tgtEl>
+                                        <p:attrNameLst>
+                                          <p:attrName>style.visibility</p:attrName>
+                                        </p:attrNameLst>
+                                      </p:cBhvr>
+                                      <p:to>
+                                        <p:strVal val="visible"/>
+                                      </p:to>
+                                    </p:set>
+                                    <p:anim calcmode="lin" valueType="num">
+                                      <p:cBhvr additive="base">
+                                        <p:cTn id="43" dur="500" fill="hold"/>
+                                        <p:tgtEl>
+                                          <p:spTgt spid="3">
+                                            <p:txEl>
+                                              <p:pRg st="6" end="6"/>
+                                            </p:txEl>
+                                          </p:spTgt>
+                                        </p:tgtEl>
+                                        <p:attrNameLst>
+                                          <p:attrName>ppt_x</p:attrName>
+                                        </p:attrNameLst>
+                                      </p:cBhvr>
+                                      <p:tavLst>
+                                        <p:tav tm="0">
+                                          <p:val>
+                                            <p:strVal val="#ppt_x"/>
+                                          </p:val>
+                                        </p:tav>
+                                        <p:tav tm="100000">
+                                          <p:val>
+                                            <p:strVal val="#ppt_x"/>
+                                          </p:val>
+                                        </p:tav>
+                                      </p:tavLst>
+                                    </p:anim>
+                                    <p:anim calcmode="lin" valueType="num">
+                                      <p:cBhvr additive="base">
+                                        <p:cTn id="44" dur="500" fill="hold"/>
+                                        <p:tgtEl>
+                                          <p:spTgt spid="3">
+                                            <p:txEl>
+                                              <p:pRg st="6" end="6"/>
+                                            </p:txEl>
+                                          </p:spTgt>
+                                        </p:tgtEl>
+                                        <p:attrNameLst>
+                                          <p:attrName>ppt_y</p:attrName>
+                                        </p:attrNameLst>
+                                      </p:cBhvr>
+                                      <p:tavLst>
+                                        <p:tav tm="0">
+                                          <p:val>
+                                            <p:strVal val="1+#ppt_h/2"/>
+                                          </p:val>
+                                        </p:tav>
+                                        <p:tav tm="100000">
+                                          <p:val>
+                                            <p:strVal val="#ppt_y"/>
+                                          </p:val>
+                                        </p:tav>
+                                      </p:tavLst>
+                                    </p:anim>
+                                  </p:childTnLst>
+                                </p:cTn>
+                              </p:par>
+                            </p:childTnLst>
+                          </p:cTn>
+                        </p:par>
+                      </p:childTnLst>
+                    </p:cTn>
+                  </p:par>
+                </p:childTnLst>
+              </p:cTn>
+              <p:prevCondLst>
+                <p:cond evt="onPrev" delay="0">
+                  <p:tgtEl>
+                    <p:sldTgt/>
+                  </p:tgtEl>
+                </p:cond>
+              </p:prevCondLst>
+              <p:nextCondLst>
+                <p:cond evt="onNext" delay="0">
+                  <p:tgtEl>
+                    <p:sldTgt/>
+                  </p:tgtEl>
+                </p:cond>
+              </p:nextCondLst>
+            </p:seq>
+          </p:childTnLst>
+        </p:cTn>
+      </p:par>
+    </p:tnLst>
+  </p:timing>
 </p:sld>
 </file>
 
@@ -3768,6 +5534,16 @@
   <p:clrMapOvr>
     <a:masterClrMapping/>
   </p:clrMapOvr>
+  <p:transition spd="slow">
+    <p:push dir="u"/>
+  </p:transition>
+  <p:timing>
+    <p:tnLst>
+      <p:par>
+        <p:cTn id="1" dur="indefinite" restart="never" nodeType="tmRoot"/>
+      </p:par>
+    </p:tnLst>
+  </p:timing>
 </p:sld>
 </file>
 
